--- a/poster/poster-tg.pptx
+++ b/poster/poster-tg.pptx
@@ -48254,7 +48254,7 @@
         </p:nvSpPr>
         <p:spPr>
           <a:xfrm>
-            <a:off x="460400" y="4788955"/>
+            <a:off x="501370" y="4785526"/>
             <a:ext cx="4715073" cy="9829091"/>
           </a:xfrm>
           <a:prstGeom prst="rect">
@@ -48485,7 +48485,7 @@
             </a:r>
             <a:r>
               <a:rPr lang="en-GB" sz="1100" dirty="0"/>
-              <a:t>: Converted multiple .mat files to a single highly compressed hdf5 file for easy usage</a:t>
+              <a:t>: Converted multiple .mat files to a single highly compressed hdf5 file, which contains the complete dataset.</a:t>
             </a:r>
           </a:p>
           <a:p>
@@ -48496,7 +48496,7 @@
           </a:p>
           <a:p>
             <a:r>
-              <a:rPr lang="en-GB" b="1" dirty="0"/>
+              <a:rPr lang="en-GB" sz="1200" b="1" dirty="0"/>
               <a:t>Deep Convolutional Neural Networks </a:t>
             </a:r>
           </a:p>
@@ -48510,18 +48510,42 @@
           </a:p>
           <a:p>
             <a:r>
-              <a:rPr lang="en-GB" dirty="0"/>
-              <a:t>Task: Object Recognition as</a:t>
+              <a:rPr lang="en-GB" sz="1100" dirty="0"/>
+              <a:t>Task: Object Recognition as  a Classification Problem</a:t>
             </a:r>
           </a:p>
           <a:p>
-            <a:r>
-              <a:rPr lang="en-GB" dirty="0"/>
-              <a:t>          a Classification Problem</a:t>
-            </a:r>
+            <a:endParaRPr lang="en-GB" sz="1100" dirty="0"/>
           </a:p>
           <a:p>
-            <a:endParaRPr lang="en-GB" dirty="0"/>
+            <a:endParaRPr lang="en-GB" sz="1100" dirty="0"/>
+          </a:p>
+          <a:p>
+            <a:endParaRPr lang="en-GB" sz="1100" dirty="0"/>
+          </a:p>
+          <a:p>
+            <a:endParaRPr lang="en-GB" sz="1100" dirty="0"/>
+          </a:p>
+          <a:p>
+            <a:endParaRPr lang="en-GB" sz="1100" dirty="0"/>
+          </a:p>
+          <a:p>
+            <a:endParaRPr lang="en-GB" sz="1100" dirty="0"/>
+          </a:p>
+          <a:p>
+            <a:endParaRPr lang="en-GB" sz="1100" dirty="0"/>
+          </a:p>
+          <a:p>
+            <a:endParaRPr lang="en-GB" sz="1100" dirty="0"/>
+          </a:p>
+          <a:p>
+            <a:endParaRPr lang="en-GB" sz="1100" dirty="0"/>
+          </a:p>
+          <a:p>
+            <a:endParaRPr lang="en-GB" sz="1100" dirty="0"/>
+          </a:p>
+          <a:p>
+            <a:endParaRPr lang="en-GB" sz="1100" dirty="0"/>
           </a:p>
           <a:p>
             <a:pPr>
@@ -48529,131 +48553,7 @@
                 <a:spcPct val="50000"/>
               </a:lnSpc>
             </a:pPr>
-            <a:endParaRPr lang="en-GB" dirty="0"/>
-          </a:p>
-          <a:p>
-            <a:r>
-              <a:rPr lang="en-GB" dirty="0"/>
-              <a:t>1.    Neural Network: Non-Linear Activation</a:t>
-            </a:r>
-          </a:p>
-          <a:p>
-            <a:r>
-              <a:rPr lang="en-GB" dirty="0"/>
-              <a:t>       Function applied to Input to create</a:t>
-            </a:r>
-          </a:p>
-          <a:p>
-            <a:r>
-              <a:rPr lang="en-GB" dirty="0"/>
-              <a:t>       Non-Linear Output</a:t>
-            </a:r>
-          </a:p>
-          <a:p>
-            <a:pPr marL="228600" indent="-228600">
-              <a:buAutoNum type="arabicPeriod"/>
-            </a:pPr>
-            <a:endParaRPr lang="en-GB" dirty="0"/>
-          </a:p>
-          <a:p>
-            <a:pPr marL="228600" indent="-228600">
-              <a:buAutoNum type="arabicPeriod"/>
-            </a:pPr>
-            <a:endParaRPr lang="en-GB" dirty="0"/>
-          </a:p>
-          <a:p>
-            <a:pPr marL="228600" indent="-228600">
-              <a:buAutoNum type="arabicPeriod"/>
-            </a:pPr>
-            <a:endParaRPr lang="en-GB" dirty="0"/>
-          </a:p>
-          <a:p>
-            <a:endParaRPr lang="en-GB" dirty="0"/>
-          </a:p>
-          <a:p>
-            <a:endParaRPr lang="en-GB" dirty="0"/>
-          </a:p>
-          <a:p>
-            <a:pPr marL="228600" indent="-228600">
-              <a:buAutoNum type="arabicPeriod" startAt="2"/>
-            </a:pPr>
-            <a:r>
-              <a:rPr lang="en-GB" dirty="0"/>
-              <a:t>Deep Neural Network: Multiple Connected Layers of weights,</a:t>
-            </a:r>
-          </a:p>
-          <a:p>
-            <a:r>
-              <a:rPr lang="en-GB" dirty="0"/>
-              <a:t>       which are trained</a:t>
-            </a:r>
-          </a:p>
-          <a:p>
-            <a:pPr marL="228600" indent="-228600">
-              <a:buAutoNum type="arabicPeriod" startAt="3"/>
-            </a:pPr>
-            <a:r>
-              <a:rPr lang="en-GB" dirty="0"/>
-              <a:t>Convolutional Nets: Convoluting multiple voxel of one layer into</a:t>
-            </a:r>
-          </a:p>
-          <a:p>
-            <a:r>
-              <a:rPr lang="en-GB" dirty="0"/>
-              <a:t>       a  stack of voxel or a activation map</a:t>
-            </a:r>
-          </a:p>
-          <a:p>
-            <a:pPr marL="228600" indent="-228600">
-              <a:buAutoNum type="arabicPeriod"/>
-            </a:pPr>
-            <a:endParaRPr lang="en-GB" dirty="0"/>
-          </a:p>
-          <a:p>
-            <a:pPr marL="228600" indent="-228600">
-              <a:buAutoNum type="arabicPeriod"/>
-            </a:pPr>
-            <a:endParaRPr lang="en-GB" dirty="0"/>
-          </a:p>
-          <a:p>
-            <a:endParaRPr lang="en-GB" i="1" dirty="0"/>
-          </a:p>
-          <a:p>
-            <a:endParaRPr lang="en-GB" dirty="0"/>
-          </a:p>
-          <a:p>
-            <a:r>
-              <a:rPr lang="en-GB" i="1" dirty="0"/>
-              <a:t>	</a:t>
-            </a:r>
-          </a:p>
-          <a:p>
-            <a:endParaRPr lang="en-GB" dirty="0"/>
-          </a:p>
-          <a:p>
-            <a:endParaRPr lang="en-GB" dirty="0"/>
-          </a:p>
-          <a:p>
-            <a:endParaRPr lang="en-GB" dirty="0"/>
-          </a:p>
-          <a:p>
-            <a:endParaRPr lang="en-GB" dirty="0"/>
-          </a:p>
-          <a:p>
-            <a:endParaRPr lang="en-GB" dirty="0"/>
-          </a:p>
-          <a:p>
-            <a:r>
-              <a:rPr lang="en-GB" b="1" dirty="0" err="1"/>
-              <a:t>Voxnet</a:t>
-            </a:r>
-            <a:endParaRPr lang="en-GB" b="1" dirty="0"/>
-          </a:p>
-          <a:p>
-            <a:r>
-              <a:rPr lang="en-GB" dirty="0"/>
-              <a:t>Sequence of Multiple Convolutional Layer, Max Pooling Layers, followed by Fully Connected Layers</a:t>
-            </a:r>
+            <a:endParaRPr lang="en-GB" sz="1100" dirty="0"/>
           </a:p>
           <a:p>
             <a:pPr>
@@ -48661,92 +48561,7 @@
                 <a:spcPct val="50000"/>
               </a:lnSpc>
             </a:pPr>
-            <a:endParaRPr lang="en-GB" dirty="0"/>
-          </a:p>
-          <a:p>
-            <a:pPr marL="171450" indent="-171450">
-              <a:lnSpc>
-                <a:spcPct val="50000"/>
-              </a:lnSpc>
-              <a:buFont typeface="Wingdings" panose="05000000000000000000" pitchFamily="2" charset="2"/>
-              <a:buChar char="Ø"/>
-            </a:pPr>
-            <a:r>
-              <a:rPr lang="en-GB" dirty="0"/>
-              <a:t> CNN more then 900k Parameter</a:t>
-            </a:r>
-          </a:p>
-          <a:p>
-            <a:pPr marL="171450" indent="-171450">
-              <a:lnSpc>
-                <a:spcPct val="100000"/>
-              </a:lnSpc>
-              <a:buFont typeface="Wingdings" panose="05000000000000000000" pitchFamily="2" charset="2"/>
-              <a:buChar char="Ø"/>
-            </a:pPr>
-            <a:r>
-              <a:rPr lang="en-GB" dirty="0"/>
-              <a:t>Activation: Leaky </a:t>
-            </a:r>
-            <a:r>
-              <a:rPr lang="en-GB" dirty="0" err="1"/>
-              <a:t>ReLu</a:t>
-            </a:r>
-            <a:endParaRPr lang="en-GB" dirty="0"/>
-          </a:p>
-          <a:p>
-            <a:endParaRPr lang="en-GB" b="1" dirty="0"/>
-          </a:p>
-          <a:p>
-            <a:r>
-              <a:rPr lang="en-GB" i="1" dirty="0"/>
-              <a:t>Contributed:</a:t>
-            </a:r>
-          </a:p>
-          <a:p>
-            <a:endParaRPr lang="en-GB" dirty="0"/>
-          </a:p>
-          <a:p>
-            <a:pPr marL="171450" indent="-171450">
-              <a:buFont typeface="Arial"/>
-              <a:buChar char="•"/>
-            </a:pPr>
-            <a:r>
-              <a:rPr lang="en-GB" dirty="0"/>
-              <a:t>Reimplementation of  </a:t>
-            </a:r>
-          </a:p>
-          <a:p>
-            <a:r>
-              <a:rPr lang="en-GB" dirty="0"/>
-              <a:t>     Convolutional Neural Network </a:t>
-            </a:r>
-          </a:p>
-          <a:p>
-            <a:r>
-              <a:rPr lang="en-GB" dirty="0"/>
-              <a:t>     Model with </a:t>
-            </a:r>
-            <a:r>
-              <a:rPr lang="en-GB" dirty="0" err="1"/>
-              <a:t>Keras</a:t>
-            </a:r>
-            <a:r>
-              <a:rPr lang="en-GB" dirty="0"/>
-              <a:t> in Python,</a:t>
-            </a:r>
-          </a:p>
-          <a:p>
-            <a:r>
-              <a:rPr lang="en-GB" dirty="0"/>
-              <a:t>     supports rotation e.g. different</a:t>
-            </a:r>
-          </a:p>
-          <a:p>
-            <a:r>
-              <a:rPr lang="en-GB" dirty="0"/>
-              <a:t>     views of same object</a:t>
-            </a:r>
+            <a:endParaRPr lang="en-GB" sz="1100" dirty="0"/>
           </a:p>
           <a:p>
             <a:pPr>
@@ -48754,50 +48569,169 @@
                 <a:spcPct val="50000"/>
               </a:lnSpc>
             </a:pPr>
-            <a:endParaRPr lang="en-GB" dirty="0"/>
+            <a:endParaRPr lang="en-GB" sz="1100" dirty="0"/>
           </a:p>
           <a:p>
-            <a:pPr>
-              <a:lnSpc>
-                <a:spcPct val="50000"/>
-              </a:lnSpc>
-            </a:pPr>
-            <a:endParaRPr lang="en-GB" b="1" dirty="0"/>
+            <a:r>
+              <a:rPr lang="en-GB" sz="1100" dirty="0"/>
+              <a:t>1.    Neural Network: Non-Linear Activation</a:t>
+            </a:r>
           </a:p>
           <a:p>
-            <a:pPr marL="171450" indent="-171450">
-              <a:buFont typeface="Arial"/>
-              <a:buChar char="•"/>
-            </a:pPr>
-            <a:endParaRPr lang="en-GB" dirty="0"/>
+            <a:r>
+              <a:rPr lang="en-GB" sz="1100" dirty="0"/>
+              <a:t>       Function applied to Input to create</a:t>
+            </a:r>
           </a:p>
           <a:p>
-            <a:pPr marL="171450" indent="-171450">
-              <a:buFont typeface="Arial"/>
-              <a:buChar char="•"/>
-            </a:pPr>
-            <a:endParaRPr lang="en-GB" dirty="0"/>
+            <a:r>
+              <a:rPr lang="en-GB" sz="1100" dirty="0"/>
+              <a:t>       Non-Linear Output</a:t>
+            </a:r>
           </a:p>
           <a:p>
-            <a:pPr marL="171450" indent="-171450">
-              <a:buFont typeface="Arial"/>
-              <a:buChar char="•"/>
+            <a:pPr marL="228600" indent="-228600">
+              <a:buAutoNum type="arabicPeriod"/>
             </a:pPr>
-            <a:endParaRPr lang="en-GB" dirty="0"/>
+            <a:endParaRPr lang="en-GB" sz="1100" dirty="0"/>
           </a:p>
           <a:p>
-            <a:pPr marL="171450" indent="-171450">
-              <a:buFont typeface="Arial"/>
-              <a:buChar char="•"/>
+            <a:pPr marL="228600" indent="-228600">
+              <a:buAutoNum type="arabicPeriod"/>
             </a:pPr>
-            <a:endParaRPr lang="en-GB" dirty="0"/>
+            <a:endParaRPr lang="en-GB" sz="1100" dirty="0"/>
           </a:p>
           <a:p>
-            <a:pPr marL="171450" indent="-171450">
-              <a:buFont typeface="Arial"/>
-              <a:buChar char="•"/>
+            <a:pPr marL="228600" indent="-228600">
+              <a:buAutoNum type="arabicPeriod"/>
             </a:pPr>
-            <a:endParaRPr lang="en-US" dirty="0"/>
+            <a:endParaRPr lang="en-GB" sz="1100" dirty="0"/>
+          </a:p>
+          <a:p>
+            <a:endParaRPr lang="en-GB" sz="1100" b="1" dirty="0"/>
+          </a:p>
+          <a:p>
+            <a:endParaRPr lang="en-GB" sz="1100" dirty="0"/>
+          </a:p>
+          <a:p>
+            <a:endParaRPr lang="en-GB" sz="1100" dirty="0"/>
+          </a:p>
+          <a:p>
+            <a:endParaRPr lang="en-GB" sz="1100" dirty="0"/>
+          </a:p>
+          <a:p>
+            <a:endParaRPr lang="en-GB" sz="1100" dirty="0"/>
+          </a:p>
+          <a:p>
+            <a:pPr marL="228600" indent="-228600">
+              <a:buAutoNum type="arabicPeriod" startAt="2"/>
+            </a:pPr>
+            <a:r>
+              <a:rPr lang="en-GB" sz="1100" dirty="0"/>
+              <a:t>Deep Neural Network: Multiple Connected Layers of weights,</a:t>
+            </a:r>
+          </a:p>
+          <a:p>
+            <a:r>
+              <a:rPr lang="en-GB" sz="1100" dirty="0"/>
+              <a:t>       which are trained</a:t>
+            </a:r>
+          </a:p>
+          <a:p>
+            <a:endParaRPr lang="en-GB" sz="1100" dirty="0"/>
+          </a:p>
+          <a:p>
+            <a:pPr marL="228600" indent="-228600">
+              <a:buAutoNum type="arabicPeriod" startAt="3"/>
+            </a:pPr>
+            <a:r>
+              <a:rPr lang="en-GB" sz="1100" dirty="0"/>
+              <a:t>Convolutional Nets: Convoluting multiple voxel of one layer into a  stack of voxel or a activation map</a:t>
+            </a:r>
+          </a:p>
+          <a:p>
+            <a:pPr marL="228600" indent="-228600">
+              <a:buAutoNum type="arabicPeriod" startAt="3"/>
+            </a:pPr>
+            <a:endParaRPr lang="en-GB" sz="1100" dirty="0"/>
+          </a:p>
+          <a:p>
+            <a:pPr marL="228600" indent="-228600">
+              <a:buAutoNum type="arabicPeriod" startAt="3"/>
+            </a:pPr>
+            <a:endParaRPr lang="en-GB" sz="1100" dirty="0"/>
+          </a:p>
+          <a:p>
+            <a:pPr marL="228600" indent="-228600">
+              <a:buAutoNum type="arabicPeriod" startAt="3"/>
+            </a:pPr>
+            <a:endParaRPr lang="en-GB" sz="1100" dirty="0"/>
+          </a:p>
+          <a:p>
+            <a:pPr marL="228600" indent="-228600">
+              <a:buAutoNum type="arabicPeriod" startAt="3"/>
+            </a:pPr>
+            <a:endParaRPr lang="en-GB" sz="1100" dirty="0"/>
+          </a:p>
+          <a:p>
+            <a:pPr marL="228600" indent="-228600">
+              <a:buAutoNum type="arabicPeriod" startAt="3"/>
+            </a:pPr>
+            <a:endParaRPr lang="en-GB" sz="1100" dirty="0"/>
+          </a:p>
+          <a:p>
+            <a:pPr marL="228600" indent="-228600">
+              <a:buAutoNum type="arabicPeriod" startAt="3"/>
+            </a:pPr>
+            <a:endParaRPr lang="en-GB" sz="1100" dirty="0"/>
+          </a:p>
+          <a:p>
+            <a:pPr marL="228600" indent="-228600">
+              <a:buAutoNum type="arabicPeriod" startAt="3"/>
+            </a:pPr>
+            <a:endParaRPr lang="en-GB" sz="1100" dirty="0"/>
+          </a:p>
+          <a:p>
+            <a:pPr marL="228600" indent="-228600">
+              <a:buAutoNum type="arabicPeriod" startAt="3"/>
+            </a:pPr>
+            <a:endParaRPr lang="en-GB" sz="1100" dirty="0"/>
+          </a:p>
+          <a:p>
+            <a:pPr marL="228600" indent="-228600">
+              <a:buAutoNum type="arabicPeriod" startAt="3"/>
+            </a:pPr>
+            <a:endParaRPr lang="en-GB" sz="1100" dirty="0"/>
+          </a:p>
+          <a:p>
+            <a:pPr marL="228600" indent="-228600">
+              <a:buAutoNum type="arabicPeriod" startAt="3"/>
+            </a:pPr>
+            <a:endParaRPr lang="en-GB" sz="1100" dirty="0"/>
+          </a:p>
+          <a:p>
+            <a:pPr marL="228600" indent="-228600">
+              <a:buAutoNum type="arabicPeriod" startAt="3"/>
+            </a:pPr>
+            <a:endParaRPr lang="en-GB" sz="1100" dirty="0"/>
+          </a:p>
+          <a:p>
+            <a:pPr marL="228600" indent="-228600">
+              <a:buAutoNum type="arabicPeriod" startAt="3"/>
+            </a:pPr>
+            <a:r>
+              <a:rPr lang="en-GB" sz="1100" dirty="0"/>
+              <a:t>Max-Pooling:  Non-linear down sampling by choosing maximum values of rectangles created from segmenting the volume</a:t>
+            </a:r>
+          </a:p>
+          <a:p>
+            <a:endParaRPr lang="en-GB" sz="1100" i="1" dirty="0"/>
+          </a:p>
+          <a:p>
+            <a:endParaRPr lang="en-GB" i="1" dirty="0"/>
+          </a:p>
+          <a:p>
+            <a:endParaRPr lang="en-GB" i="1" dirty="0"/>
           </a:p>
         </p:txBody>
       </p:sp>
@@ -48993,45 +48927,13 @@
             <a:endParaRPr lang="en-US" b="1" dirty="0"/>
           </a:p>
           <a:p>
-            <a:r>
-              <a:rPr lang="en-US" i="1" dirty="0"/>
-              <a:t>Contributed:</a:t>
-            </a:r>
-          </a:p>
-          <a:p>
-            <a:pPr>
-              <a:lnSpc>
-                <a:spcPct val="50000"/>
-              </a:lnSpc>
-            </a:pPr>
-            <a:endParaRPr lang="en-US" i="1" dirty="0"/>
-          </a:p>
-          <a:p>
             <a:pPr marL="171450" indent="-171450">
               <a:buFont typeface="Arial"/>
               <a:buChar char="•"/>
             </a:pPr>
             <a:r>
-              <a:rPr lang="en-US" dirty="0"/>
-              <a:t>Setup and implementation on ETH Cluster ~ 20.000 cores  [4] </a:t>
-            </a:r>
-          </a:p>
-          <a:p>
-            <a:pPr marL="171450" indent="-171450">
-              <a:buFont typeface="Arial"/>
-              <a:buChar char="•"/>
-            </a:pPr>
-            <a:r>
-              <a:rPr lang="en-US" dirty="0"/>
-              <a:t>Trained ModelNet10/40 for </a:t>
-            </a:r>
-            <a:r>
-              <a:rPr lang="en-US" dirty="0" err="1"/>
-              <a:t>Xh</a:t>
-            </a:r>
-            <a:r>
-              <a:rPr lang="en-US" dirty="0"/>
-              <a:t> / 12h on ???</a:t>
+              <a:rPr lang="de-CH" dirty="0"/>
+              <a:t>The training process takes around 9 to 20 hours on a NVIDIA GTX 980TI (6GB) GPU depending on the size of the dataset</a:t>
             </a:r>
           </a:p>
           <a:p>
@@ -49058,62 +48960,26 @@
               <a:buChar char="•"/>
             </a:pPr>
             <a:r>
+              <a:rPr lang="en-GB" i="1" dirty="0"/>
+              <a:t>Contribution : </a:t>
+            </a:r>
+            <a:r>
               <a:rPr lang="de-CH" dirty="0"/>
-              <a:t>ETH </a:t>
-            </a:r>
-            <a:r>
-              <a:rPr lang="de-CH" dirty="0" err="1"/>
-              <a:t>VoxNet</a:t>
-            </a:r>
+              <a:t>The Keras framework with Theano backend in Python were used to implement the neural network. </a:t>
+            </a:r>
+          </a:p>
+          <a:p>
+            <a:endParaRPr lang="de-CH" dirty="0"/>
+          </a:p>
+          <a:p>
+            <a:pPr marL="171450" indent="-171450">
+              <a:buFont typeface="Arial"/>
+              <a:buChar char="•"/>
+            </a:pPr>
             <a:r>
               <a:rPr lang="de-CH" dirty="0"/>
-              <a:t>: </a:t>
-            </a:r>
-            <a:r>
-              <a:rPr lang="de-CH" dirty="0" err="1"/>
-              <a:t>reimplemented</a:t>
-            </a:r>
-            <a:r>
-              <a:rPr lang="de-CH" dirty="0"/>
-              <a:t> </a:t>
-            </a:r>
-            <a:r>
-              <a:rPr lang="de-CH" dirty="0" err="1"/>
-              <a:t>method</a:t>
-            </a:r>
-            <a:r>
-              <a:rPr lang="de-CH" dirty="0"/>
-              <a:t> </a:t>
-            </a:r>
-            <a:r>
-              <a:rPr lang="de-CH" dirty="0" err="1"/>
-              <a:t>achieves</a:t>
-            </a:r>
-            <a:r>
-              <a:rPr lang="de-CH" dirty="0"/>
-              <a:t> same </a:t>
-            </a:r>
-            <a:r>
-              <a:rPr lang="de-CH" dirty="0" err="1"/>
-              <a:t>result</a:t>
-            </a:r>
-            <a:r>
-              <a:rPr lang="de-CH" dirty="0"/>
-              <a:t> </a:t>
-            </a:r>
-            <a:r>
-              <a:rPr lang="de-CH" dirty="0" err="1"/>
-              <a:t>as</a:t>
-            </a:r>
-            <a:r>
-              <a:rPr lang="de-CH" dirty="0"/>
-              <a:t> </a:t>
-            </a:r>
-            <a:r>
-              <a:rPr lang="de-CH" dirty="0" err="1"/>
-              <a:t>orignal</a:t>
-            </a:r>
-            <a:endParaRPr lang="de-CH" dirty="0"/>
+              <a:t>ETH VoxNet: reimplemented method achieves same result as orignal</a:t>
+            </a:r>
           </a:p>
           <a:p>
             <a:pPr>
@@ -49604,7 +49470,7 @@
         </p:nvSpPr>
         <p:spPr>
           <a:xfrm>
-            <a:off x="5526087" y="12853850"/>
+            <a:off x="5526087" y="12932032"/>
             <a:ext cx="4716463" cy="468052"/>
           </a:xfrm>
           <a:prstGeom prst="rect">
@@ -50226,52 +50092,6 @@
               <a:t>[3] http://sun.cs.princeton.edu/ </a:t>
             </a:r>
           </a:p>
-          <a:p>
-            <a:pPr>
-              <a:lnSpc>
-                <a:spcPct val="120000"/>
-              </a:lnSpc>
-            </a:pPr>
-            <a:r>
-              <a:rPr lang="de-DE" sz="600" b="1" dirty="0">
-                <a:latin typeface="Arial (Textkörper)"/>
-                <a:cs typeface="Arial (Textkörper)"/>
-              </a:rPr>
-              <a:t>[4] https://</a:t>
-            </a:r>
-            <a:r>
-              <a:rPr lang="de-DE" sz="600" b="1" dirty="0" err="1">
-                <a:latin typeface="Arial (Textkörper)"/>
-                <a:cs typeface="Arial (Textkörper)"/>
-              </a:rPr>
-              <a:t>ivc-support.ethz.ch</a:t>
-            </a:r>
-            <a:r>
-              <a:rPr lang="de-DE" sz="600" b="1" dirty="0">
-                <a:latin typeface="Arial (Textkörper)"/>
-                <a:cs typeface="Arial (Textkörper)"/>
-              </a:rPr>
-              <a:t>/</a:t>
-            </a:r>
-            <a:r>
-              <a:rPr lang="de-DE" sz="600" b="1" dirty="0" err="1">
-                <a:latin typeface="Arial (Textkörper)"/>
-                <a:cs typeface="Arial (Textkörper)"/>
-              </a:rPr>
-              <a:t>VisualLab</a:t>
-            </a:r>
-            <a:r>
-              <a:rPr lang="de-DE" sz="600" b="1" dirty="0">
-                <a:latin typeface="Arial (Textkörper)"/>
-                <a:cs typeface="Arial (Textkörper)"/>
-              </a:rPr>
-              <a:t>/VL02Servers01Euryale</a:t>
-            </a:r>
-            <a:endParaRPr lang="de-CH" sz="600" b="1" dirty="0">
-              <a:latin typeface="Arial (Textkörper)"/>
-              <a:cs typeface="Arial (Textkörper)"/>
-            </a:endParaRPr>
-          </a:p>
         </p:txBody>
       </p:sp>
       <p:sp>
@@ -50454,35 +50274,16 @@
           <a:p>
             <a:r>
               <a:rPr lang="de-CH" dirty="0"/>
-              <a:t>3	</a:t>
+              <a:t>3    </a:t>
             </a:r>
             <a:r>
               <a:rPr lang="de-CH" dirty="0" err="1"/>
-              <a:t>DataSet</a:t>
+              <a:t>Voxnet</a:t>
             </a:r>
             <a:r>
               <a:rPr lang="de-CH" dirty="0"/>
-              <a:t> / </a:t>
-            </a:r>
-            <a:r>
-              <a:rPr lang="de-CH" dirty="0" err="1"/>
-              <a:t>Princeton</a:t>
-            </a:r>
-            <a:r>
-              <a:rPr lang="de-CH" dirty="0"/>
-              <a:t> </a:t>
-            </a:r>
-            <a:r>
-              <a:rPr lang="de-CH" dirty="0" err="1"/>
-              <a:t>ModelNet</a:t>
-            </a:r>
-            <a:r>
-              <a:rPr lang="de-CH" dirty="0"/>
-              <a:t> [2]</a:t>
-            </a:r>
-          </a:p>
-          <a:p>
-            <a:endParaRPr lang="de-CH" dirty="0"/>
+              <a:t> and Implementation</a:t>
+            </a:r>
           </a:p>
         </p:txBody>
       </p:sp>
@@ -50664,188 +50465,9 @@
             </a:lvl9pPr>
           </a:lstStyle>
           <a:p>
-            <a:pPr marL="171450" indent="-171450">
-              <a:buFont typeface="Arial"/>
-              <a:buChar char="•"/>
-            </a:pPr>
-            <a:r>
-              <a:rPr lang="de-CH" dirty="0"/>
-              <a:t>Clean </a:t>
-            </a:r>
-            <a:r>
-              <a:rPr lang="de-CH" dirty="0" err="1"/>
-              <a:t>collection</a:t>
-            </a:r>
-            <a:r>
-              <a:rPr lang="de-CH" dirty="0"/>
-              <a:t> </a:t>
-            </a:r>
-            <a:r>
-              <a:rPr lang="de-CH" dirty="0" err="1"/>
-              <a:t>of</a:t>
-            </a:r>
-            <a:r>
-              <a:rPr lang="de-CH" dirty="0"/>
-              <a:t> 3D CAD </a:t>
-            </a:r>
-            <a:r>
-              <a:rPr lang="de-CH" dirty="0" err="1"/>
-              <a:t>models</a:t>
-            </a:r>
-            <a:r>
-              <a:rPr lang="de-CH" dirty="0"/>
-              <a:t> </a:t>
-            </a:r>
-            <a:r>
-              <a:rPr lang="de-CH" dirty="0" err="1"/>
-              <a:t>for</a:t>
-            </a:r>
-            <a:r>
-              <a:rPr lang="de-CH" dirty="0"/>
-              <a:t> </a:t>
-            </a:r>
-            <a:r>
-              <a:rPr lang="de-CH" dirty="0" err="1"/>
-              <a:t>objects</a:t>
-            </a:r>
-            <a:endParaRPr lang="de-CH" dirty="0"/>
-          </a:p>
-          <a:p>
-            <a:pPr marL="171450" indent="-171450">
-              <a:lnSpc>
-                <a:spcPct val="50000"/>
-              </a:lnSpc>
-              <a:buFont typeface="Arial"/>
-              <a:buChar char="•"/>
-            </a:pPr>
-            <a:endParaRPr lang="de-CH" dirty="0"/>
-          </a:p>
-          <a:p>
-            <a:r>
-              <a:rPr lang="de-CH" b="1" dirty="0" err="1"/>
-              <a:t>Building</a:t>
-            </a:r>
-            <a:r>
-              <a:rPr lang="de-CH" b="1" dirty="0"/>
-              <a:t> </a:t>
-            </a:r>
-            <a:r>
-              <a:rPr lang="de-CH" b="1" dirty="0" err="1"/>
-              <a:t>procedure</a:t>
-            </a:r>
-            <a:endParaRPr lang="de-CH" b="1" dirty="0"/>
-          </a:p>
-          <a:p>
-            <a:endParaRPr lang="de-CH" b="1" dirty="0"/>
-          </a:p>
-          <a:p>
-            <a:pPr marL="171450" indent="-171450">
-              <a:buFont typeface="Arial"/>
-              <a:buChar char="•"/>
-            </a:pPr>
-            <a:r>
-              <a:rPr lang="de-CH" dirty="0" err="1"/>
-              <a:t>compilation</a:t>
-            </a:r>
-            <a:r>
-              <a:rPr lang="de-CH" dirty="0"/>
-              <a:t> </a:t>
-            </a:r>
-            <a:r>
-              <a:rPr lang="de-CH" dirty="0" err="1"/>
-              <a:t>of</a:t>
-            </a:r>
-            <a:r>
-              <a:rPr lang="de-CH" dirty="0"/>
-              <a:t> </a:t>
-            </a:r>
-            <a:r>
-              <a:rPr lang="de-CH" dirty="0" err="1"/>
-              <a:t>list</a:t>
-            </a:r>
-            <a:r>
-              <a:rPr lang="de-CH" dirty="0"/>
-              <a:t> </a:t>
-            </a:r>
-            <a:r>
-              <a:rPr lang="de-CH" dirty="0" err="1"/>
-              <a:t>of</a:t>
-            </a:r>
-            <a:r>
-              <a:rPr lang="de-CH" dirty="0"/>
-              <a:t> </a:t>
-            </a:r>
-            <a:r>
-              <a:rPr lang="de-CH" dirty="0" err="1"/>
-              <a:t>most</a:t>
-            </a:r>
-            <a:r>
-              <a:rPr lang="de-CH" dirty="0"/>
-              <a:t> </a:t>
-            </a:r>
-            <a:r>
-              <a:rPr lang="de-CH" dirty="0" err="1"/>
-              <a:t>common</a:t>
-            </a:r>
-            <a:r>
-              <a:rPr lang="de-CH" dirty="0"/>
-              <a:t> </a:t>
-            </a:r>
-            <a:r>
-              <a:rPr lang="de-CH" dirty="0" err="1"/>
-              <a:t>object</a:t>
-            </a:r>
-            <a:r>
-              <a:rPr lang="de-CH" dirty="0"/>
-              <a:t> </a:t>
-            </a:r>
-            <a:r>
-              <a:rPr lang="de-CH" dirty="0" err="1"/>
-              <a:t>categories</a:t>
-            </a:r>
-            <a:r>
-              <a:rPr lang="de-CH" dirty="0"/>
-              <a:t>, </a:t>
-            </a:r>
-            <a:r>
-              <a:rPr lang="de-CH" dirty="0" err="1"/>
-              <a:t>using</a:t>
-            </a:r>
-            <a:r>
-              <a:rPr lang="de-CH" dirty="0"/>
-              <a:t> </a:t>
-            </a:r>
-            <a:r>
-              <a:rPr lang="de-CH" dirty="0" err="1"/>
-              <a:t>statistics</a:t>
-            </a:r>
-            <a:r>
-              <a:rPr lang="de-CH" dirty="0"/>
-              <a:t> </a:t>
-            </a:r>
-            <a:r>
-              <a:rPr lang="de-CH" dirty="0" err="1"/>
-              <a:t>obtained</a:t>
-            </a:r>
-            <a:r>
-              <a:rPr lang="de-CH" dirty="0"/>
-              <a:t> </a:t>
-            </a:r>
-            <a:r>
-              <a:rPr lang="de-CH" dirty="0" err="1"/>
-              <a:t>from</a:t>
-            </a:r>
-            <a:r>
-              <a:rPr lang="de-CH" dirty="0"/>
-              <a:t> SUN </a:t>
-            </a:r>
-            <a:r>
-              <a:rPr lang="de-CH" dirty="0" err="1"/>
-              <a:t>database</a:t>
-            </a:r>
-            <a:r>
-              <a:rPr lang="de-CH" dirty="0"/>
-              <a:t> [3]</a:t>
+            <a:r>
+              <a:rPr lang="en-GB" sz="1100" dirty="0"/>
+              <a:t>Sequence of Multiple Convolutional Layer, Max Pooling Layers, followed by Fully Connected Layers</a:t>
             </a:r>
           </a:p>
           <a:p>
@@ -50854,7 +50476,50 @@
                 <a:spcPct val="50000"/>
               </a:lnSpc>
             </a:pPr>
-            <a:endParaRPr lang="de-CH" dirty="0"/>
+            <a:endParaRPr lang="en-GB" sz="1100" dirty="0"/>
+          </a:p>
+          <a:p>
+            <a:pPr marL="171450" indent="-171450">
+              <a:lnSpc>
+                <a:spcPct val="50000"/>
+              </a:lnSpc>
+              <a:buFont typeface="Wingdings" panose="05000000000000000000" pitchFamily="2" charset="2"/>
+              <a:buChar char="Ø"/>
+            </a:pPr>
+            <a:r>
+              <a:rPr lang="en-GB" sz="1100" dirty="0"/>
+              <a:t> CNN more then 900k Parameter</a:t>
+            </a:r>
+          </a:p>
+          <a:p>
+            <a:pPr marL="171450" indent="-171450">
+              <a:lnSpc>
+                <a:spcPct val="100000"/>
+              </a:lnSpc>
+              <a:buFont typeface="Wingdings" panose="05000000000000000000" pitchFamily="2" charset="2"/>
+              <a:buChar char="Ø"/>
+            </a:pPr>
+            <a:r>
+              <a:rPr lang="en-GB" sz="1100" dirty="0"/>
+              <a:t>Activation: Leaky </a:t>
+            </a:r>
+            <a:r>
+              <a:rPr lang="en-GB" sz="1100" dirty="0" err="1"/>
+              <a:t>ReLu</a:t>
+            </a:r>
+            <a:endParaRPr lang="en-GB" sz="1100" dirty="0"/>
+          </a:p>
+          <a:p>
+            <a:endParaRPr lang="en-GB" sz="1100" b="1" dirty="0"/>
+          </a:p>
+          <a:p>
+            <a:r>
+              <a:rPr lang="en-GB" sz="1100" i="1" dirty="0"/>
+              <a:t>Contributed:</a:t>
+            </a:r>
+          </a:p>
+          <a:p>
+            <a:endParaRPr lang="en-GB" sz="1100" dirty="0"/>
           </a:p>
           <a:p>
             <a:pPr marL="171450" indent="-171450">
@@ -50862,146 +50527,53 @@
               <a:buChar char="•"/>
             </a:pPr>
             <a:r>
-              <a:rPr lang="de-CH" dirty="0" err="1"/>
-              <a:t>collection</a:t>
-            </a:r>
-            <a:r>
-              <a:rPr lang="de-CH" dirty="0"/>
-              <a:t> </a:t>
-            </a:r>
-            <a:r>
-              <a:rPr lang="de-CH" dirty="0" err="1"/>
-              <a:t>of</a:t>
-            </a:r>
-            <a:r>
-              <a:rPr lang="de-CH" dirty="0"/>
-              <a:t> 3D CAD </a:t>
-            </a:r>
-            <a:r>
-              <a:rPr lang="de-CH" dirty="0" err="1"/>
-              <a:t>models</a:t>
-            </a:r>
-            <a:r>
-              <a:rPr lang="de-CH" dirty="0"/>
-              <a:t> </a:t>
-            </a:r>
-            <a:r>
-              <a:rPr lang="de-CH" dirty="0" err="1"/>
-              <a:t>for</a:t>
-            </a:r>
-            <a:r>
-              <a:rPr lang="de-CH" dirty="0"/>
-              <a:t> </a:t>
-            </a:r>
-            <a:r>
-              <a:rPr lang="de-CH" dirty="0" err="1"/>
-              <a:t>each</a:t>
-            </a:r>
-            <a:r>
-              <a:rPr lang="de-CH" dirty="0"/>
-              <a:t> </a:t>
-            </a:r>
-            <a:r>
-              <a:rPr lang="de-CH" dirty="0" err="1"/>
-              <a:t>object</a:t>
-            </a:r>
-            <a:r>
-              <a:rPr lang="de-CH" dirty="0"/>
-              <a:t> </a:t>
-            </a:r>
-            <a:r>
-              <a:rPr lang="de-CH" dirty="0" err="1"/>
-              <a:t>category</a:t>
-            </a:r>
-            <a:r>
-              <a:rPr lang="de-CH" dirty="0"/>
-              <a:t> </a:t>
-            </a:r>
-            <a:r>
-              <a:rPr lang="de-CH" dirty="0" err="1"/>
-              <a:t>using</a:t>
-            </a:r>
-            <a:r>
-              <a:rPr lang="de-CH" dirty="0"/>
-              <a:t> online </a:t>
-            </a:r>
-            <a:r>
-              <a:rPr lang="de-CH" dirty="0" err="1"/>
-              <a:t>search</a:t>
-            </a:r>
-            <a:r>
-              <a:rPr lang="de-CH" dirty="0"/>
-              <a:t> </a:t>
-            </a:r>
-            <a:r>
-              <a:rPr lang="de-CH" dirty="0" err="1"/>
-              <a:t>engines</a:t>
-            </a:r>
-            <a:r>
-              <a:rPr lang="de-CH" dirty="0"/>
-              <a:t> </a:t>
-            </a:r>
-            <a:r>
-              <a:rPr lang="de-CH" dirty="0" err="1"/>
-              <a:t>by</a:t>
-            </a:r>
-            <a:r>
-              <a:rPr lang="de-CH" dirty="0"/>
-              <a:t> </a:t>
-            </a:r>
-            <a:r>
-              <a:rPr lang="de-CH" dirty="0" err="1"/>
-              <a:t>querying</a:t>
-            </a:r>
-            <a:r>
-              <a:rPr lang="de-CH" dirty="0"/>
-              <a:t> </a:t>
-            </a:r>
-            <a:r>
-              <a:rPr lang="de-CH" dirty="0" err="1"/>
-              <a:t>for</a:t>
-            </a:r>
-            <a:r>
-              <a:rPr lang="de-CH" dirty="0"/>
-              <a:t> </a:t>
-            </a:r>
-            <a:r>
-              <a:rPr lang="de-CH" dirty="0" err="1"/>
-              <a:t>each</a:t>
-            </a:r>
-            <a:r>
-              <a:rPr lang="de-CH" dirty="0"/>
-              <a:t> </a:t>
-            </a:r>
-            <a:r>
-              <a:rPr lang="de-CH" dirty="0" err="1"/>
-              <a:t>object</a:t>
-            </a:r>
-            <a:r>
-              <a:rPr lang="de-CH" dirty="0"/>
-              <a:t> </a:t>
-            </a:r>
-            <a:r>
-              <a:rPr lang="de-CH" dirty="0" err="1"/>
-              <a:t>category</a:t>
-            </a:r>
-            <a:r>
-              <a:rPr lang="de-CH" dirty="0"/>
-              <a:t> </a:t>
-            </a:r>
-            <a:r>
-              <a:rPr lang="de-CH" dirty="0" err="1"/>
-              <a:t>term</a:t>
-            </a:r>
-            <a:endParaRPr lang="de-CH" dirty="0"/>
+              <a:rPr lang="en-GB" sz="1100" dirty="0"/>
+              <a:t>Reimplementation of  </a:t>
+            </a:r>
           </a:p>
           <a:p>
-            <a:pPr>
-              <a:lnSpc>
-                <a:spcPct val="50000"/>
-              </a:lnSpc>
-            </a:pPr>
-            <a:endParaRPr lang="de-CH" dirty="0"/>
+            <a:r>
+              <a:rPr lang="en-GB" sz="1100" dirty="0"/>
+              <a:t>     Convolutional Neural Network </a:t>
+            </a:r>
+          </a:p>
+          <a:p>
+            <a:r>
+              <a:rPr lang="en-GB" sz="1100" dirty="0"/>
+              <a:t>     Model with </a:t>
+            </a:r>
+            <a:r>
+              <a:rPr lang="en-GB" sz="1100" dirty="0" err="1"/>
+              <a:t>Keras</a:t>
+            </a:r>
+            <a:r>
+              <a:rPr lang="en-GB" sz="1100" dirty="0"/>
+              <a:t> in Python,</a:t>
+            </a:r>
+          </a:p>
+          <a:p>
+            <a:r>
+              <a:rPr lang="en-GB" sz="1100" dirty="0"/>
+              <a:t>     supports rotation e.g. different</a:t>
+            </a:r>
+          </a:p>
+          <a:p>
+            <a:r>
+              <a:rPr lang="en-GB" sz="1100" dirty="0"/>
+              <a:t>     views of same object</a:t>
+            </a:r>
+          </a:p>
+          <a:p>
+            <a:endParaRPr lang="de-CH" sz="1100" b="1" dirty="0"/>
+          </a:p>
+          <a:p>
+            <a:endParaRPr lang="de-CH" sz="1100" b="1" dirty="0"/>
+          </a:p>
+          <a:p>
+            <a:endParaRPr lang="de-CH" sz="1100" b="1" dirty="0"/>
+          </a:p>
+          <a:p>
+            <a:endParaRPr lang="de-CH" sz="1100" b="1" dirty="0"/>
           </a:p>
           <a:p>
             <a:pPr marL="171450" indent="-171450">
@@ -51009,182 +50581,16 @@
               <a:buChar char="•"/>
             </a:pPr>
             <a:r>
-              <a:rPr lang="de-CH" dirty="0"/>
-              <a:t>human clean </a:t>
-            </a:r>
-            <a:r>
-              <a:rPr lang="de-CH" dirty="0" err="1"/>
-              <a:t>up</a:t>
-            </a:r>
-            <a:r>
-              <a:rPr lang="de-CH" dirty="0"/>
-              <a:t> </a:t>
-            </a:r>
-            <a:r>
-              <a:rPr lang="de-CH" dirty="0" err="1"/>
-              <a:t>through</a:t>
-            </a:r>
-            <a:endParaRPr lang="de-CH" dirty="0"/>
+              <a:rPr lang="en-GB" sz="1100" i="1" dirty="0"/>
+              <a:t>Contribution : </a:t>
+            </a:r>
+            <a:r>
+              <a:rPr lang="de-CH" sz="1100" dirty="0"/>
+              <a:t>The Keras framework with Theano backend in Python were used to implement the neural network. </a:t>
+            </a:r>
           </a:p>
           <a:p>
-            <a:r>
-              <a:rPr lang="de-CH" dirty="0"/>
-              <a:t>     Amazon </a:t>
-            </a:r>
-            <a:r>
-              <a:rPr lang="de-CH" dirty="0" err="1"/>
-              <a:t>Mechanical</a:t>
-            </a:r>
-            <a:r>
-              <a:rPr lang="de-CH" dirty="0"/>
-              <a:t> Turk </a:t>
-            </a:r>
-            <a:r>
-              <a:rPr lang="de-CH" dirty="0" err="1"/>
-              <a:t>to</a:t>
-            </a:r>
-            <a:endParaRPr lang="de-CH" dirty="0"/>
-          </a:p>
-          <a:p>
-            <a:r>
-              <a:rPr lang="de-CH" dirty="0"/>
-              <a:t>     </a:t>
-            </a:r>
-            <a:r>
-              <a:rPr lang="de-CH" dirty="0" err="1"/>
-              <a:t>decide</a:t>
-            </a:r>
-            <a:r>
-              <a:rPr lang="de-CH" dirty="0"/>
-              <a:t> </a:t>
-            </a:r>
-            <a:r>
-              <a:rPr lang="de-CH" dirty="0" err="1"/>
-              <a:t>whether</a:t>
-            </a:r>
-            <a:r>
-              <a:rPr lang="de-CH" dirty="0"/>
-              <a:t> </a:t>
-            </a:r>
-            <a:r>
-              <a:rPr lang="de-CH" dirty="0" err="1"/>
-              <a:t>each</a:t>
-            </a:r>
-            <a:r>
-              <a:rPr lang="de-CH" dirty="0"/>
-              <a:t> CAD </a:t>
-            </a:r>
-          </a:p>
-          <a:p>
-            <a:r>
-              <a:rPr lang="de-CH" dirty="0"/>
-              <a:t>     </a:t>
-            </a:r>
-            <a:r>
-              <a:rPr lang="de-CH" dirty="0" err="1"/>
-              <a:t>model</a:t>
-            </a:r>
-            <a:r>
-              <a:rPr lang="de-CH" dirty="0"/>
-              <a:t> </a:t>
-            </a:r>
-            <a:r>
-              <a:rPr lang="de-CH" dirty="0" err="1"/>
-              <a:t>belongs</a:t>
-            </a:r>
-            <a:r>
-              <a:rPr lang="de-CH" dirty="0"/>
-              <a:t> </a:t>
-            </a:r>
-            <a:r>
-              <a:rPr lang="de-CH" dirty="0" err="1"/>
-              <a:t>to</a:t>
-            </a:r>
-            <a:r>
-              <a:rPr lang="de-CH" dirty="0"/>
-              <a:t> </a:t>
-            </a:r>
-            <a:r>
-              <a:rPr lang="de-CH" dirty="0" err="1"/>
-              <a:t>specified</a:t>
-            </a:r>
-            <a:endParaRPr lang="de-CH" dirty="0"/>
-          </a:p>
-          <a:p>
-            <a:r>
-              <a:rPr lang="de-CH" dirty="0"/>
-              <a:t>     </a:t>
-            </a:r>
-            <a:r>
-              <a:rPr lang="de-CH" dirty="0" err="1"/>
-              <a:t>cateogries</a:t>
-            </a:r>
-            <a:endParaRPr lang="de-CH" dirty="0"/>
-          </a:p>
-          <a:p>
-            <a:pPr>
-              <a:lnSpc>
-                <a:spcPct val="50000"/>
-              </a:lnSpc>
-            </a:pPr>
-            <a:endParaRPr lang="de-CH" dirty="0"/>
-          </a:p>
-          <a:p>
-            <a:pPr marL="171450" indent="-171450">
-              <a:buFont typeface="Arial"/>
-              <a:buChar char="•"/>
-            </a:pPr>
-            <a:r>
-              <a:rPr lang="de-CH" dirty="0" err="1"/>
-              <a:t>manually</a:t>
-            </a:r>
-            <a:r>
-              <a:rPr lang="de-CH" dirty="0"/>
-              <a:t> </a:t>
-            </a:r>
-            <a:r>
-              <a:rPr lang="de-CH" dirty="0" err="1"/>
-              <a:t>alignment</a:t>
-            </a:r>
-            <a:r>
-              <a:rPr lang="de-CH" dirty="0"/>
-              <a:t> </a:t>
-            </a:r>
-            <a:r>
-              <a:rPr lang="de-CH" dirty="0" err="1"/>
-              <a:t>of</a:t>
-            </a:r>
-            <a:r>
-              <a:rPr lang="de-CH" dirty="0"/>
-              <a:t> </a:t>
-            </a:r>
-          </a:p>
-          <a:p>
-            <a:r>
-              <a:rPr lang="de-CH" dirty="0"/>
-              <a:t>     </a:t>
-            </a:r>
-            <a:r>
-              <a:rPr lang="de-CH" dirty="0" err="1"/>
-              <a:t>orientation</a:t>
-            </a:r>
-            <a:r>
-              <a:rPr lang="de-CH" dirty="0"/>
-              <a:t> </a:t>
-            </a:r>
-            <a:r>
-              <a:rPr lang="de-CH" dirty="0" err="1"/>
-              <a:t>of</a:t>
-            </a:r>
-            <a:r>
-              <a:rPr lang="de-CH" dirty="0"/>
-              <a:t> CAD </a:t>
-            </a:r>
-            <a:r>
-              <a:rPr lang="de-CH" dirty="0" err="1"/>
-              <a:t>models</a:t>
-            </a:r>
-            <a:endParaRPr lang="de-CH" dirty="0"/>
+            <a:endParaRPr lang="en-GB" sz="1100" dirty="0"/>
           </a:p>
         </p:txBody>
       </p:sp>
@@ -51620,7 +51026,7 @@
         </p:blipFill>
         <p:spPr>
           <a:xfrm>
-            <a:off x="3516546" y="5040982"/>
+            <a:off x="3585379" y="5039725"/>
             <a:ext cx="1631064" cy="823749"/>
           </a:xfrm>
           <a:prstGeom prst="rect">
@@ -51922,66 +51328,6 @@
           </a:p>
         </p:txBody>
       </p:sp>
-      <p:pic>
-        <p:nvPicPr>
-          <p:cNvPr id="42" name="Inhaltsplatzhalter 1"/>
-          <p:cNvPicPr>
-            <a:picLocks noChangeAspect="1"/>
-          </p:cNvPicPr>
-          <p:nvPr/>
-        </p:nvPicPr>
-        <p:blipFill>
-          <a:blip r:embed="rId4" cstate="print">
-            <a:extLst>
-              <a:ext uri="{28A0092B-C50C-407E-A947-70E740481C1C}">
-                <a14:useLocalDpi xmlns:a14="http://schemas.microsoft.com/office/drawing/2010/main" val="0"/>
-              </a:ext>
-            </a:extLst>
-          </a:blip>
-          <a:stretch>
-            <a:fillRect/>
-          </a:stretch>
-        </p:blipFill>
-        <p:spPr>
-          <a:xfrm>
-            <a:off x="2804905" y="11430390"/>
-            <a:ext cx="2357891" cy="3136224"/>
-          </a:xfrm>
-          <a:prstGeom prst="rect">
-            <a:avLst/>
-          </a:prstGeom>
-        </p:spPr>
-      </p:pic>
-      <p:pic>
-        <p:nvPicPr>
-          <p:cNvPr id="44" name="Inhaltsplatzhalter 6"/>
-          <p:cNvPicPr>
-            <a:picLocks noChangeAspect="1"/>
-          </p:cNvPicPr>
-          <p:nvPr/>
-        </p:nvPicPr>
-        <p:blipFill>
-          <a:blip r:embed="rId5" cstate="print">
-            <a:extLst>
-              <a:ext uri="{28A0092B-C50C-407E-A947-70E740481C1C}">
-                <a14:useLocalDpi xmlns:a14="http://schemas.microsoft.com/office/drawing/2010/main" val="0"/>
-              </a:ext>
-            </a:extLst>
-          </a:blip>
-          <a:stretch>
-            <a:fillRect/>
-          </a:stretch>
-        </p:blipFill>
-        <p:spPr>
-          <a:xfrm>
-            <a:off x="7614258" y="6317915"/>
-            <a:ext cx="2615233" cy="1423367"/>
-          </a:xfrm>
-          <a:prstGeom prst="rect">
-            <a:avLst/>
-          </a:prstGeom>
-        </p:spPr>
-      </p:pic>
       <p:graphicFrame>
         <p:nvGraphicFramePr>
           <p:cNvPr id="11" name="Tabelle 10"/>
@@ -51991,14 +51337,14 @@
           <p:nvPr>
             <p:extLst>
               <p:ext uri="{D42A27DB-BD31-4B8C-83A1-F6EECF244321}">
-                <p14:modId xmlns:p14="http://schemas.microsoft.com/office/powerpoint/2010/main" val="3529637921"/>
+                <p14:modId xmlns:p14="http://schemas.microsoft.com/office/powerpoint/2010/main" val="242098514"/>
               </p:ext>
             </p:extLst>
           </p:nvPr>
         </p:nvGraphicFramePr>
         <p:xfrm>
-          <a:off x="6246800" y="9937526"/>
-          <a:ext cx="3240360" cy="1219200"/>
+          <a:off x="6358655" y="10095777"/>
+          <a:ext cx="3204357" cy="1219200"/>
         </p:xfrm>
         <a:graphic>
           <a:graphicData uri="http://schemas.openxmlformats.org/drawingml/2006/table">
@@ -52007,21 +51353,21 @@
                 <a:tableStyleId>{00A15C55-8517-42AA-B614-E9B94910E393}</a:tableStyleId>
               </a:tblPr>
               <a:tblGrid>
-                <a:gridCol w="1080120">
+                <a:gridCol w="1068119">
                   <a:extLst>
                     <a:ext uri="{9D8B030D-6E8A-4147-A177-3AD203B41FA5}">
                       <a16:colId xmlns:a16="http://schemas.microsoft.com/office/drawing/2014/main" val="20000"/>
                     </a:ext>
                   </a:extLst>
                 </a:gridCol>
-                <a:gridCol w="1080120">
+                <a:gridCol w="1068119">
                   <a:extLst>
                     <a:ext uri="{9D8B030D-6E8A-4147-A177-3AD203B41FA5}">
                       <a16:colId xmlns:a16="http://schemas.microsoft.com/office/drawing/2014/main" val="20001"/>
                     </a:ext>
                   </a:extLst>
                 </a:gridCol>
-                <a:gridCol w="1080120">
+                <a:gridCol w="1068119">
                   <a:extLst>
                     <a:ext uri="{9D8B030D-6E8A-4147-A177-3AD203B41FA5}">
                       <a16:colId xmlns:a16="http://schemas.microsoft.com/office/drawing/2014/main" val="20002"/>
@@ -52029,7 +51375,7 @@
                   </a:extLst>
                 </a:gridCol>
               </a:tblGrid>
-              <a:tr h="530159">
+              <a:tr h="574598">
                 <a:tc>
                   <a:txBody>
                     <a:bodyPr/>
@@ -52211,7 +51557,7 @@
                   </a:ext>
                 </a:extLst>
               </a:tr>
-              <a:tr h="195322">
+              <a:tr h="211693">
                 <a:tc>
                   <a:txBody>
                     <a:bodyPr/>
@@ -52372,7 +51718,7 @@
                   </a:ext>
                 </a:extLst>
               </a:tr>
-              <a:tr h="195322">
+              <a:tr h="211693">
                 <a:tc>
                   <a:txBody>
                     <a:bodyPr/>
@@ -52525,7 +51871,7 @@
                   </a:ext>
                 </a:extLst>
               </a:tr>
-              <a:tr h="195322">
+              <a:tr h="211693">
                 <a:tc>
                   <a:txBody>
                     <a:bodyPr/>
@@ -52613,7 +51959,7 @@
                             <a:srgbClr val="000000"/>
                           </a:solidFill>
                         </a:rPr>
-                        <a:t>?%</a:t>
+                        <a:t>81.8</a:t>
                       </a:r>
                     </a:p>
                   </a:txBody>
@@ -52668,7 +52014,7 @@
                             <a:srgbClr val="000000"/>
                           </a:solidFill>
                         </a:rPr>
-                        <a:t>?%</a:t>
+                        <a:t>82.3</a:t>
                       </a:r>
                     </a:p>
                   </a:txBody>
@@ -52714,7 +52060,7 @@
           <p:nvPr/>
         </p:nvPicPr>
         <p:blipFill rotWithShape="1">
-          <a:blip r:embed="rId6" cstate="print">
+          <a:blip r:embed="rId4" cstate="print">
             <a:extLst>
               <a:ext uri="{28A0092B-C50C-407E-A947-70E740481C1C}">
                 <a14:useLocalDpi xmlns:a14="http://schemas.microsoft.com/office/drawing/2010/main" val="0"/>
@@ -52726,8 +52072,8 @@
         </p:blipFill>
         <p:spPr>
           <a:xfrm>
-            <a:off x="3191932" y="6944286"/>
-            <a:ext cx="1809912" cy="1044115"/>
+            <a:off x="1278249" y="7368536"/>
+            <a:ext cx="2412268" cy="1391606"/>
           </a:xfrm>
           <a:prstGeom prst="rect">
             <a:avLst/>
@@ -52744,8 +52090,8 @@
         </p:nvSpPr>
         <p:spPr>
           <a:xfrm>
-            <a:off x="5526782" y="12061762"/>
-            <a:ext cx="4716462" cy="866901"/>
+            <a:off x="5544692" y="11847170"/>
+            <a:ext cx="4716462" cy="1174229"/>
           </a:xfrm>
           <a:prstGeom prst="rect">
             <a:avLst/>
@@ -52992,17 +52338,10 @@
               <a:rPr lang="de-CH" dirty="0" err="1"/>
               <a:t>Tensorflow</a:t>
             </a:r>
-            <a:endParaRPr lang="de-CH" dirty="0"/>
-          </a:p>
-          <a:p>
-            <a:pPr marL="171450" indent="-171450">
-              <a:lnSpc>
-                <a:spcPct val="50000"/>
-              </a:lnSpc>
-              <a:buFont typeface="Arial"/>
-              <a:buChar char="•"/>
-            </a:pPr>
-            <a:endParaRPr lang="de-CH" dirty="0"/>
+            <a:r>
+              <a:rPr lang="de-CH" dirty="0"/>
+              <a:t>, </a:t>
+            </a:r>
           </a:p>
           <a:p>
             <a:pPr marL="171450" indent="-171450">
@@ -53053,130 +52392,127 @@
               <a:rPr lang="de-CH" dirty="0" err="1"/>
               <a:t>approach</a:t>
             </a:r>
-            <a:endParaRPr lang="de-CH" dirty="0"/>
+            <a:r>
+              <a:rPr lang="de-CH" dirty="0"/>
+              <a:t> in ModelNet10, </a:t>
+            </a:r>
+            <a:r>
+              <a:rPr lang="de-CH" dirty="0" err="1"/>
+              <a:t>for</a:t>
+            </a:r>
+            <a:r>
+              <a:rPr lang="de-CH" dirty="0"/>
+              <a:t> Modelnet40 a </a:t>
+            </a:r>
+            <a:r>
+              <a:rPr lang="de-CH" dirty="0" err="1"/>
+              <a:t>significant</a:t>
+            </a:r>
+            <a:r>
+              <a:rPr lang="de-CH" dirty="0"/>
+              <a:t> </a:t>
+            </a:r>
+            <a:r>
+              <a:rPr lang="de-CH" dirty="0" err="1"/>
+              <a:t>overfitting</a:t>
+            </a:r>
+            <a:r>
+              <a:rPr lang="de-CH" dirty="0"/>
+              <a:t> was </a:t>
+            </a:r>
+            <a:r>
+              <a:rPr lang="de-CH" dirty="0" err="1"/>
+              <a:t>regarded</a:t>
+            </a:r>
+            <a:r>
+              <a:rPr lang="de-CH" dirty="0"/>
+              <a:t>.</a:t>
+            </a:r>
+          </a:p>
+          <a:p>
+            <a:pPr marL="171450" indent="-171450">
+              <a:buFont typeface="Arial"/>
+              <a:buChar char="•"/>
+            </a:pPr>
+            <a:r>
+              <a:rPr lang="de-CH" dirty="0"/>
+              <a:t>The </a:t>
+            </a:r>
+            <a:r>
+              <a:rPr lang="de-CH" dirty="0" err="1"/>
+              <a:t>difference</a:t>
+            </a:r>
+            <a:r>
+              <a:rPr lang="de-CH" dirty="0"/>
+              <a:t> </a:t>
+            </a:r>
+            <a:r>
+              <a:rPr lang="de-CH" dirty="0" err="1"/>
+              <a:t>could</a:t>
+            </a:r>
+            <a:r>
+              <a:rPr lang="de-CH" dirty="0"/>
+              <a:t> </a:t>
+            </a:r>
+            <a:r>
+              <a:rPr lang="de-CH" dirty="0" err="1"/>
+              <a:t>be</a:t>
+            </a:r>
+            <a:r>
+              <a:rPr lang="de-CH" dirty="0"/>
+              <a:t> </a:t>
+            </a:r>
+            <a:r>
+              <a:rPr lang="de-CH" dirty="0" err="1"/>
+              <a:t>explained</a:t>
+            </a:r>
+            <a:r>
+              <a:rPr lang="de-CH" dirty="0"/>
+              <a:t> </a:t>
+            </a:r>
+            <a:r>
+              <a:rPr lang="de-CH" dirty="0" err="1"/>
+              <a:t>as</a:t>
+            </a:r>
+            <a:r>
+              <a:rPr lang="de-CH" dirty="0"/>
+              <a:t> Data was not </a:t>
+            </a:r>
+            <a:r>
+              <a:rPr lang="de-CH" dirty="0" err="1"/>
+              <a:t>augmented</a:t>
+            </a:r>
+            <a:r>
+              <a:rPr lang="de-CH" dirty="0"/>
+              <a:t> </a:t>
+            </a:r>
+            <a:r>
+              <a:rPr lang="de-CH" dirty="0" err="1"/>
+              <a:t>for</a:t>
+            </a:r>
+            <a:r>
+              <a:rPr lang="de-CH" dirty="0"/>
+              <a:t> Multiresolution, </a:t>
+            </a:r>
+            <a:r>
+              <a:rPr lang="de-CH" dirty="0" err="1"/>
+              <a:t>since</a:t>
+            </a:r>
+            <a:r>
+              <a:rPr lang="de-CH" dirty="0"/>
+              <a:t> </a:t>
+            </a:r>
+            <a:r>
+              <a:rPr lang="de-CH" dirty="0" err="1"/>
+              <a:t>training</a:t>
+            </a:r>
+            <a:r>
+              <a:rPr lang="de-CH" dirty="0"/>
+              <a:t> time was limited.</a:t>
+            </a:r>
           </a:p>
         </p:txBody>
       </p:sp>
-      <p:pic>
-        <p:nvPicPr>
-          <p:cNvPr id="3" name="Bild 2" descr="Screen Shot 2016-05-24 at 18.10.55.png"/>
-          <p:cNvPicPr>
-            <a:picLocks noChangeAspect="1"/>
-          </p:cNvPicPr>
-          <p:nvPr/>
-        </p:nvPicPr>
-        <p:blipFill>
-          <a:blip r:embed="rId7" cstate="print">
-            <a:extLst>
-              <a:ext uri="{28A0092B-C50C-407E-A947-70E740481C1C}">
-                <a14:useLocalDpi xmlns:a14="http://schemas.microsoft.com/office/drawing/2010/main" val="0"/>
-              </a:ext>
-            </a:extLst>
-          </a:blip>
-          <a:stretch>
-            <a:fillRect/>
-          </a:stretch>
-        </p:blipFill>
-        <p:spPr>
-          <a:xfrm>
-            <a:off x="710850" y="8162013"/>
-            <a:ext cx="3276364" cy="468052"/>
-          </a:xfrm>
-          <a:prstGeom prst="rect">
-            <a:avLst/>
-          </a:prstGeom>
-        </p:spPr>
-      </p:pic>
-      <p:pic>
-        <p:nvPicPr>
-          <p:cNvPr id="7" name="Bild 6" descr="Screen Shot 2016-05-24 at 18.17.44.png"/>
-          <p:cNvPicPr>
-            <a:picLocks noChangeAspect="1"/>
-          </p:cNvPicPr>
-          <p:nvPr/>
-        </p:nvPicPr>
-        <p:blipFill>
-          <a:blip r:embed="rId8" cstate="print">
-            <a:extLst>
-              <a:ext uri="{28A0092B-C50C-407E-A947-70E740481C1C}">
-                <a14:useLocalDpi xmlns:a14="http://schemas.microsoft.com/office/drawing/2010/main" val="0"/>
-              </a:ext>
-            </a:extLst>
-          </a:blip>
-          <a:stretch>
-            <a:fillRect/>
-          </a:stretch>
-        </p:blipFill>
-        <p:spPr>
-          <a:xfrm>
-            <a:off x="1135472" y="8648158"/>
-            <a:ext cx="2050988" cy="229045"/>
-          </a:xfrm>
-          <a:prstGeom prst="rect">
-            <a:avLst/>
-          </a:prstGeom>
-        </p:spPr>
-      </p:pic>
-      <p:pic>
-        <p:nvPicPr>
-          <p:cNvPr id="10" name="Bild 9" descr="Screen Shot 2016-05-24 at 18.24.13.png"/>
-          <p:cNvPicPr>
-            <a:picLocks noChangeAspect="1"/>
-          </p:cNvPicPr>
-          <p:nvPr/>
-        </p:nvPicPr>
-        <p:blipFill>
-          <a:blip r:embed="rId9" cstate="print">
-            <a:extLst>
-              <a:ext uri="{28A0092B-C50C-407E-A947-70E740481C1C}">
-                <a14:useLocalDpi xmlns:a14="http://schemas.microsoft.com/office/drawing/2010/main" val="0"/>
-              </a:ext>
-            </a:extLst>
-          </a:blip>
-          <a:stretch>
-            <a:fillRect/>
-          </a:stretch>
-        </p:blipFill>
-        <p:spPr>
-          <a:xfrm>
-            <a:off x="1686966" y="8561495"/>
-            <a:ext cx="109843" cy="144016"/>
-          </a:xfrm>
-          <a:prstGeom prst="rect">
-            <a:avLst/>
-          </a:prstGeom>
-        </p:spPr>
-      </p:pic>
-      <p:pic>
-        <p:nvPicPr>
-          <p:cNvPr id="29" name="Bild 28" descr="Screen Shot 2016-05-24 at 18.24.13.png"/>
-          <p:cNvPicPr>
-            <a:picLocks noChangeAspect="1"/>
-          </p:cNvPicPr>
-          <p:nvPr/>
-        </p:nvPicPr>
-        <p:blipFill>
-          <a:blip r:embed="rId9" cstate="print">
-            <a:extLst>
-              <a:ext uri="{28A0092B-C50C-407E-A947-70E740481C1C}">
-                <a14:useLocalDpi xmlns:a14="http://schemas.microsoft.com/office/drawing/2010/main" val="0"/>
-              </a:ext>
-            </a:extLst>
-          </a:blip>
-          <a:stretch>
-            <a:fillRect/>
-          </a:stretch>
-        </p:blipFill>
-        <p:spPr>
-          <a:xfrm>
-            <a:off x="2865320" y="8521686"/>
-            <a:ext cx="109843" cy="144016"/>
-          </a:xfrm>
-          <a:prstGeom prst="rect">
-            <a:avLst/>
-          </a:prstGeom>
-        </p:spPr>
-      </p:pic>
       <p:grpSp>
         <p:nvGrpSpPr>
           <p:cNvPr id="17" name="Gruppierung 16"/>
@@ -53185,7 +52521,7 @@
         </p:nvGrpSpPr>
         <p:grpSpPr>
           <a:xfrm>
-            <a:off x="688144" y="9611875"/>
+            <a:off x="767410" y="11981141"/>
             <a:ext cx="1994260" cy="1225751"/>
             <a:chOff x="3546500" y="8702515"/>
             <a:chExt cx="6854800" cy="4394103"/>
@@ -53200,7 +52536,7 @@
             <p:nvPr/>
           </p:nvPicPr>
           <p:blipFill>
-            <a:blip r:embed="rId10" cstate="print">
+            <a:blip r:embed="rId5" cstate="print">
               <a:extLst>
                 <a:ext uri="{28A0092B-C50C-407E-A947-70E740481C1C}">
                   <a14:useLocalDpi xmlns:a14="http://schemas.microsoft.com/office/drawing/2010/main" val="0"/>
@@ -53276,7 +52612,7 @@
           <p:nvPr/>
         </p:nvPicPr>
         <p:blipFill>
-          <a:blip r:embed="rId11" cstate="print">
+          <a:blip r:embed="rId6" cstate="print">
             <a:extLst>
               <a:ext uri="{28A0092B-C50C-407E-A947-70E740481C1C}">
                 <a14:useLocalDpi xmlns:a14="http://schemas.microsoft.com/office/drawing/2010/main" val="0"/>
@@ -53289,7 +52625,7 @@
         </p:blipFill>
         <p:spPr>
           <a:xfrm>
-            <a:off x="3053050" y="9469474"/>
+            <a:off x="3071314" y="11857743"/>
             <a:ext cx="1861602" cy="1475520"/>
           </a:xfrm>
           <a:prstGeom prst="rect">
@@ -53297,6 +52633,170 @@
           </a:prstGeom>
         </p:spPr>
       </p:pic>
+      <p:pic>
+        <p:nvPicPr>
+          <p:cNvPr id="32" name="Inhaltsplatzhalter 1"/>
+          <p:cNvPicPr>
+            <a:picLocks noChangeAspect="1"/>
+          </p:cNvPicPr>
+          <p:nvPr/>
+        </p:nvPicPr>
+        <p:blipFill rotWithShape="1">
+          <a:blip r:embed="rId7" cstate="print">
+            <a:extLst>
+              <a:ext uri="{28A0092B-C50C-407E-A947-70E740481C1C}">
+                <a14:useLocalDpi xmlns:a14="http://schemas.microsoft.com/office/drawing/2010/main" val="0"/>
+              </a:ext>
+            </a:extLst>
+          </a:blip>
+          <a:srcRect t="33313"/>
+          <a:stretch/>
+        </p:blipFill>
+        <p:spPr>
+          <a:xfrm>
+            <a:off x="8171318" y="5143204"/>
+            <a:ext cx="2448272" cy="2171640"/>
+          </a:xfrm>
+          <a:prstGeom prst="rect">
+            <a:avLst/>
+          </a:prstGeom>
+        </p:spPr>
+      </p:pic>
+      <p:grpSp>
+        <p:nvGrpSpPr>
+          <p:cNvPr id="33" name="Group 32"/>
+          <p:cNvGrpSpPr/>
+          <p:nvPr/>
+        </p:nvGrpSpPr>
+        <p:grpSpPr>
+          <a:xfrm>
+            <a:off x="960831" y="9800442"/>
+            <a:ext cx="3276364" cy="715190"/>
+            <a:chOff x="710850" y="8162013"/>
+            <a:chExt cx="3276364" cy="715190"/>
+          </a:xfrm>
+        </p:grpSpPr>
+        <p:pic>
+          <p:nvPicPr>
+            <p:cNvPr id="35" name="Bild 2" descr="Screen Shot 2016-05-24 at 18.10.55.png"/>
+            <p:cNvPicPr>
+              <a:picLocks noChangeAspect="1"/>
+            </p:cNvPicPr>
+            <p:nvPr/>
+          </p:nvPicPr>
+          <p:blipFill>
+            <a:blip r:embed="rId8" cstate="print">
+              <a:extLst>
+                <a:ext uri="{28A0092B-C50C-407E-A947-70E740481C1C}">
+                  <a14:useLocalDpi xmlns:a14="http://schemas.microsoft.com/office/drawing/2010/main" val="0"/>
+                </a:ext>
+              </a:extLst>
+            </a:blip>
+            <a:stretch>
+              <a:fillRect/>
+            </a:stretch>
+          </p:blipFill>
+          <p:spPr>
+            <a:xfrm>
+              <a:off x="710850" y="8162013"/>
+              <a:ext cx="3276364" cy="468052"/>
+            </a:xfrm>
+            <a:prstGeom prst="rect">
+              <a:avLst/>
+            </a:prstGeom>
+          </p:spPr>
+        </p:pic>
+        <p:pic>
+          <p:nvPicPr>
+            <p:cNvPr id="36" name="Bild 6" descr="Screen Shot 2016-05-24 at 18.17.44.png"/>
+            <p:cNvPicPr>
+              <a:picLocks noChangeAspect="1"/>
+            </p:cNvPicPr>
+            <p:nvPr/>
+          </p:nvPicPr>
+          <p:blipFill>
+            <a:blip r:embed="rId9" cstate="print">
+              <a:extLst>
+                <a:ext uri="{28A0092B-C50C-407E-A947-70E740481C1C}">
+                  <a14:useLocalDpi xmlns:a14="http://schemas.microsoft.com/office/drawing/2010/main" val="0"/>
+                </a:ext>
+              </a:extLst>
+            </a:blip>
+            <a:stretch>
+              <a:fillRect/>
+            </a:stretch>
+          </p:blipFill>
+          <p:spPr>
+            <a:xfrm>
+              <a:off x="1135472" y="8648158"/>
+              <a:ext cx="2050988" cy="229045"/>
+            </a:xfrm>
+            <a:prstGeom prst="rect">
+              <a:avLst/>
+            </a:prstGeom>
+          </p:spPr>
+        </p:pic>
+        <p:pic>
+          <p:nvPicPr>
+            <p:cNvPr id="37" name="Bild 9" descr="Screen Shot 2016-05-24 at 18.24.13.png"/>
+            <p:cNvPicPr>
+              <a:picLocks noChangeAspect="1"/>
+            </p:cNvPicPr>
+            <p:nvPr/>
+          </p:nvPicPr>
+          <p:blipFill>
+            <a:blip r:embed="rId10" cstate="print">
+              <a:extLst>
+                <a:ext uri="{28A0092B-C50C-407E-A947-70E740481C1C}">
+                  <a14:useLocalDpi xmlns:a14="http://schemas.microsoft.com/office/drawing/2010/main" val="0"/>
+                </a:ext>
+              </a:extLst>
+            </a:blip>
+            <a:stretch>
+              <a:fillRect/>
+            </a:stretch>
+          </p:blipFill>
+          <p:spPr>
+            <a:xfrm>
+              <a:off x="1686966" y="8561495"/>
+              <a:ext cx="109843" cy="144016"/>
+            </a:xfrm>
+            <a:prstGeom prst="rect">
+              <a:avLst/>
+            </a:prstGeom>
+          </p:spPr>
+        </p:pic>
+        <p:pic>
+          <p:nvPicPr>
+            <p:cNvPr id="38" name="Bild 28" descr="Screen Shot 2016-05-24 at 18.24.13.png"/>
+            <p:cNvPicPr>
+              <a:picLocks noChangeAspect="1"/>
+            </p:cNvPicPr>
+            <p:nvPr/>
+          </p:nvPicPr>
+          <p:blipFill>
+            <a:blip r:embed="rId10" cstate="print">
+              <a:extLst>
+                <a:ext uri="{28A0092B-C50C-407E-A947-70E740481C1C}">
+                  <a14:useLocalDpi xmlns:a14="http://schemas.microsoft.com/office/drawing/2010/main" val="0"/>
+                </a:ext>
+              </a:extLst>
+            </a:blip>
+            <a:stretch>
+              <a:fillRect/>
+            </a:stretch>
+          </p:blipFill>
+          <p:spPr>
+            <a:xfrm>
+              <a:off x="2865320" y="8521686"/>
+              <a:ext cx="109843" cy="144016"/>
+            </a:xfrm>
+            <a:prstGeom prst="rect">
+              <a:avLst/>
+            </a:prstGeom>
+          </p:spPr>
+        </p:pic>
+      </p:grpSp>
     </p:spTree>
     <p:extLst>
       <p:ext uri="{BB962C8B-B14F-4D97-AF65-F5344CB8AC3E}">
